--- a/submission/results/cs572 results.pptx
+++ b/submission/results/cs572 results.pptx
@@ -249,7 +249,7 @@
           <a:p>
             <a:fld id="{428E6C78-B126-4EAE-834B-2BDF330B7877}" type="datetimeFigureOut">
               <a:rPr lang="ko-KR" altLang="en-US" smtClean="0"/>
-              <a:t>2016-11-22</a:t>
+              <a:t>2016-12-04</a:t>
             </a:fld>
             <a:endParaRPr lang="ko-KR" altLang="en-US"/>
           </a:p>
@@ -419,7 +419,7 @@
           <a:p>
             <a:fld id="{428E6C78-B126-4EAE-834B-2BDF330B7877}" type="datetimeFigureOut">
               <a:rPr lang="ko-KR" altLang="en-US" smtClean="0"/>
-              <a:t>2016-11-22</a:t>
+              <a:t>2016-12-04</a:t>
             </a:fld>
             <a:endParaRPr lang="ko-KR" altLang="en-US"/>
           </a:p>
@@ -599,7 +599,7 @@
           <a:p>
             <a:fld id="{428E6C78-B126-4EAE-834B-2BDF330B7877}" type="datetimeFigureOut">
               <a:rPr lang="ko-KR" altLang="en-US" smtClean="0"/>
-              <a:t>2016-11-22</a:t>
+              <a:t>2016-12-04</a:t>
             </a:fld>
             <a:endParaRPr lang="ko-KR" altLang="en-US"/>
           </a:p>
@@ -769,7 +769,7 @@
           <a:p>
             <a:fld id="{428E6C78-B126-4EAE-834B-2BDF330B7877}" type="datetimeFigureOut">
               <a:rPr lang="ko-KR" altLang="en-US" smtClean="0"/>
-              <a:t>2016-11-22</a:t>
+              <a:t>2016-12-04</a:t>
             </a:fld>
             <a:endParaRPr lang="ko-KR" altLang="en-US"/>
           </a:p>
@@ -1015,7 +1015,7 @@
           <a:p>
             <a:fld id="{428E6C78-B126-4EAE-834B-2BDF330B7877}" type="datetimeFigureOut">
               <a:rPr lang="ko-KR" altLang="en-US" smtClean="0"/>
-              <a:t>2016-11-22</a:t>
+              <a:t>2016-12-04</a:t>
             </a:fld>
             <a:endParaRPr lang="ko-KR" altLang="en-US"/>
           </a:p>
@@ -1247,7 +1247,7 @@
           <a:p>
             <a:fld id="{428E6C78-B126-4EAE-834B-2BDF330B7877}" type="datetimeFigureOut">
               <a:rPr lang="ko-KR" altLang="en-US" smtClean="0"/>
-              <a:t>2016-11-22</a:t>
+              <a:t>2016-12-04</a:t>
             </a:fld>
             <a:endParaRPr lang="ko-KR" altLang="en-US"/>
           </a:p>
@@ -1614,7 +1614,7 @@
           <a:p>
             <a:fld id="{428E6C78-B126-4EAE-834B-2BDF330B7877}" type="datetimeFigureOut">
               <a:rPr lang="ko-KR" altLang="en-US" smtClean="0"/>
-              <a:t>2016-11-22</a:t>
+              <a:t>2016-12-04</a:t>
             </a:fld>
             <a:endParaRPr lang="ko-KR" altLang="en-US"/>
           </a:p>
@@ -1732,7 +1732,7 @@
           <a:p>
             <a:fld id="{428E6C78-B126-4EAE-834B-2BDF330B7877}" type="datetimeFigureOut">
               <a:rPr lang="ko-KR" altLang="en-US" smtClean="0"/>
-              <a:t>2016-11-22</a:t>
+              <a:t>2016-12-04</a:t>
             </a:fld>
             <a:endParaRPr lang="ko-KR" altLang="en-US"/>
           </a:p>
@@ -1827,7 +1827,7 @@
           <a:p>
             <a:fld id="{428E6C78-B126-4EAE-834B-2BDF330B7877}" type="datetimeFigureOut">
               <a:rPr lang="ko-KR" altLang="en-US" smtClean="0"/>
-              <a:t>2016-11-22</a:t>
+              <a:t>2016-12-04</a:t>
             </a:fld>
             <a:endParaRPr lang="ko-KR" altLang="en-US"/>
           </a:p>
@@ -2104,7 +2104,7 @@
           <a:p>
             <a:fld id="{428E6C78-B126-4EAE-834B-2BDF330B7877}" type="datetimeFigureOut">
               <a:rPr lang="ko-KR" altLang="en-US" smtClean="0"/>
-              <a:t>2016-11-22</a:t>
+              <a:t>2016-12-04</a:t>
             </a:fld>
             <a:endParaRPr lang="ko-KR" altLang="en-US"/>
           </a:p>
@@ -2357,7 +2357,7 @@
           <a:p>
             <a:fld id="{428E6C78-B126-4EAE-834B-2BDF330B7877}" type="datetimeFigureOut">
               <a:rPr lang="ko-KR" altLang="en-US" smtClean="0"/>
-              <a:t>2016-11-22</a:t>
+              <a:t>2016-12-04</a:t>
             </a:fld>
             <a:endParaRPr lang="ko-KR" altLang="en-US"/>
           </a:p>
@@ -2570,7 +2570,7 @@
           <a:p>
             <a:fld id="{428E6C78-B126-4EAE-834B-2BDF330B7877}" type="datetimeFigureOut">
               <a:rPr lang="ko-KR" altLang="en-US" smtClean="0"/>
-              <a:t>2016-11-22</a:t>
+              <a:t>2016-12-04</a:t>
             </a:fld>
             <a:endParaRPr lang="ko-KR" altLang="en-US"/>
           </a:p>
@@ -3119,11 +3119,7 @@
           <a:p>
             <a:r>
               <a:rPr lang="en-US" altLang="ko-KR" dirty="0" smtClean="0"/>
-              <a:t>Single view - Model </a:t>
-            </a:r>
-            <a:r>
-              <a:rPr lang="en-US" altLang="ko-KR" dirty="0" smtClean="0"/>
-              <a:t>707</a:t>
+              <a:t>Single view - Model 707</a:t>
             </a:r>
             <a:endParaRPr lang="ko-KR" altLang="en-US" dirty="0"/>
           </a:p>
@@ -4843,13 +4839,13 @@
           <p:nvPr>
             <p:extLst>
               <p:ext uri="{D42A27DB-BD31-4B8C-83A1-F6EECF244321}">
-                <p14:modId xmlns:p14="http://schemas.microsoft.com/office/powerpoint/2010/main" val="2537557000"/>
+                <p14:modId xmlns:p14="http://schemas.microsoft.com/office/powerpoint/2010/main" val="1801144118"/>
               </p:ext>
             </p:extLst>
           </p:nvPr>
         </p:nvGraphicFramePr>
         <p:xfrm>
-          <a:off x="2190378" y="1365122"/>
+          <a:off x="1609264" y="459268"/>
           <a:ext cx="7811244" cy="1381760"/>
         </p:xfrm>
         <a:graphic>
@@ -5157,7 +5153,7 @@
                       <a:pPr algn="ctr" latinLnBrk="1"/>
                       <a:r>
                         <a:rPr lang="en-US" altLang="ko-KR" dirty="0" smtClean="0"/>
-                        <a:t>81.1%</a:t>
+                        <a:t>-</a:t>
                       </a:r>
                       <a:endParaRPr lang="ko-KR" altLang="en-US" dirty="0"/>
                     </a:p>
@@ -5172,7 +5168,7 @@
                       <a:pPr algn="ctr" latinLnBrk="1"/>
                       <a:r>
                         <a:rPr lang="en-US" altLang="ko-KR" dirty="0" smtClean="0"/>
-                        <a:t>80%</a:t>
+                        <a:t>-</a:t>
                       </a:r>
                       <a:endParaRPr lang="ko-KR" altLang="en-US" dirty="0"/>
                     </a:p>
@@ -5286,14 +5282,14 @@
           <p:nvPr>
             <p:extLst>
               <p:ext uri="{D42A27DB-BD31-4B8C-83A1-F6EECF244321}">
-                <p14:modId xmlns:p14="http://schemas.microsoft.com/office/powerpoint/2010/main" val="3097577844"/>
+                <p14:modId xmlns:p14="http://schemas.microsoft.com/office/powerpoint/2010/main" val="867951318"/>
               </p:ext>
             </p:extLst>
           </p:nvPr>
         </p:nvGraphicFramePr>
         <p:xfrm>
-          <a:off x="2032000" y="3444937"/>
-          <a:ext cx="8128000" cy="1381760"/>
+          <a:off x="700756" y="2658723"/>
+          <a:ext cx="10297680" cy="3248381"/>
         </p:xfrm>
         <a:graphic>
           <a:graphicData uri="http://schemas.openxmlformats.org/drawingml/2006/table">
@@ -5302,35 +5298,35 @@
                 <a:tableStyleId>{5C22544A-7EE6-4342-B048-85BDC9FD1C3A}</a:tableStyleId>
               </a:tblPr>
               <a:tblGrid>
-                <a:gridCol w="1625600">
+                <a:gridCol w="2059536">
                   <a:extLst>
                     <a:ext uri="{9D8B030D-6E8A-4147-A177-3AD203B41FA5}">
                       <a16:colId xmlns:a16="http://schemas.microsoft.com/office/drawing/2014/main" val="594452294"/>
                     </a:ext>
                   </a:extLst>
                 </a:gridCol>
-                <a:gridCol w="1625600">
+                <a:gridCol w="2059536">
                   <a:extLst>
                     <a:ext uri="{9D8B030D-6E8A-4147-A177-3AD203B41FA5}">
                       <a16:colId xmlns:a16="http://schemas.microsoft.com/office/drawing/2014/main" val="3327024101"/>
                     </a:ext>
                   </a:extLst>
                 </a:gridCol>
-                <a:gridCol w="1625600">
+                <a:gridCol w="2059536">
                   <a:extLst>
                     <a:ext uri="{9D8B030D-6E8A-4147-A177-3AD203B41FA5}">
                       <a16:colId xmlns:a16="http://schemas.microsoft.com/office/drawing/2014/main" val="901335162"/>
                     </a:ext>
                   </a:extLst>
                 </a:gridCol>
-                <a:gridCol w="1625600">
+                <a:gridCol w="2059536">
                   <a:extLst>
                     <a:ext uri="{9D8B030D-6E8A-4147-A177-3AD203B41FA5}">
                       <a16:colId xmlns:a16="http://schemas.microsoft.com/office/drawing/2014/main" val="4187984541"/>
                     </a:ext>
                   </a:extLst>
                 </a:gridCol>
-                <a:gridCol w="1625600">
+                <a:gridCol w="2059536">
                   <a:extLst>
                     <a:ext uri="{9D8B030D-6E8A-4147-A177-3AD203B41FA5}">
                       <a16:colId xmlns:a16="http://schemas.microsoft.com/office/drawing/2014/main" val="3013446347"/>
@@ -5338,7 +5334,7 @@
                   </a:extLst>
                 </a:gridCol>
               </a:tblGrid>
-              <a:tr h="370840">
+              <a:tr h="660641">
                 <a:tc>
                   <a:txBody>
                     <a:bodyPr/>
@@ -5420,7 +5416,7 @@
                   </a:ext>
                 </a:extLst>
               </a:tr>
-              <a:tr h="370840">
+              <a:tr h="377509">
                 <a:tc>
                   <a:txBody>
                     <a:bodyPr/>
@@ -5502,7 +5498,7 @@
                   </a:ext>
                 </a:extLst>
               </a:tr>
-              <a:tr h="370840">
+              <a:tr h="377509">
                 <a:tc>
                   <a:txBody>
                     <a:bodyPr/>
@@ -5570,7 +5566,7 @@
                       <a:pPr algn="ctr" latinLnBrk="1"/>
                       <a:r>
                         <a:rPr lang="en-US" altLang="ko-KR" dirty="0" smtClean="0"/>
-                        <a:t>80.0%</a:t>
+                        <a:t>-</a:t>
                       </a:r>
                       <a:endParaRPr lang="ko-KR" altLang="en-US" dirty="0"/>
                     </a:p>
@@ -5602,6 +5598,364 @@
                 <a:extLst>
                   <a:ext uri="{0D108BD9-81ED-4DB2-BD59-A6C34878D82A}">
                     <a16:rowId xmlns:a16="http://schemas.microsoft.com/office/drawing/2014/main" val="1224080436"/>
+                  </a:ext>
+                </a:extLst>
+              </a:tr>
+              <a:tr h="916361">
+                <a:tc>
+                  <a:txBody>
+                    <a:bodyPr/>
+                    <a:lstStyle/>
+                    <a:p>
+                      <a:pPr algn="ctr" latinLnBrk="1"/>
+                      <a:r>
+                        <a:rPr lang="en-US" altLang="ko-KR" dirty="0" smtClean="0"/>
+                        <a:t>Data</a:t>
+                      </a:r>
+                      <a:r>
+                        <a:rPr lang="en-US" altLang="ko-KR" baseline="0" dirty="0" smtClean="0"/>
+                        <a:t> augmentation</a:t>
+                      </a:r>
+                      <a:endParaRPr lang="ko-KR" altLang="en-US" dirty="0"/>
+                    </a:p>
+                  </a:txBody>
+                  <a:tcPr anchor="ctr">
+                    <a:solidFill>
+                      <a:schemeClr val="tx2">
+                        <a:lumMod val="20000"/>
+                        <a:lumOff val="80000"/>
+                      </a:schemeClr>
+                    </a:solidFill>
+                  </a:tcPr>
+                </a:tc>
+                <a:tc>
+                  <a:txBody>
+                    <a:bodyPr/>
+                    <a:lstStyle/>
+                    <a:p>
+                      <a:pPr marL="0" algn="ctr" defTabSz="914400" rtl="0" eaLnBrk="1" latinLnBrk="1" hangingPunct="1"/>
+                      <a:r>
+                        <a:rPr lang="en-US" altLang="ko-KR" sz="1800" kern="1200" dirty="0" smtClean="0">
+                          <a:solidFill>
+                            <a:schemeClr val="dk1"/>
+                          </a:solidFill>
+                          <a:latin typeface="+mn-lt"/>
+                          <a:ea typeface="+mn-ea"/>
+                          <a:cs typeface="+mn-cs"/>
+                        </a:rPr>
+                        <a:t>77.29%</a:t>
+                      </a:r>
+                      <a:endParaRPr lang="ko-KR" altLang="en-US" sz="1800" kern="1200" dirty="0">
+                        <a:solidFill>
+                          <a:schemeClr val="dk1"/>
+                        </a:solidFill>
+                        <a:latin typeface="+mn-lt"/>
+                        <a:ea typeface="+mn-ea"/>
+                        <a:cs typeface="+mn-cs"/>
+                      </a:endParaRPr>
+                    </a:p>
+                  </a:txBody>
+                  <a:tcPr anchor="ctr">
+                    <a:solidFill>
+                      <a:schemeClr val="accent2">
+                        <a:lumMod val="40000"/>
+                        <a:lumOff val="60000"/>
+                      </a:schemeClr>
+                    </a:solidFill>
+                  </a:tcPr>
+                </a:tc>
+                <a:tc>
+                  <a:txBody>
+                    <a:bodyPr/>
+                    <a:lstStyle/>
+                    <a:p>
+                      <a:pPr marL="0" algn="ctr" defTabSz="914400" rtl="0" eaLnBrk="1" latinLnBrk="1" hangingPunct="1"/>
+                      <a:r>
+                        <a:rPr lang="en-US" altLang="ko-KR" sz="1800" kern="1200" dirty="0" smtClean="0">
+                          <a:solidFill>
+                            <a:schemeClr val="dk1"/>
+                          </a:solidFill>
+                          <a:latin typeface="+mn-lt"/>
+                          <a:ea typeface="+mn-ea"/>
+                          <a:cs typeface="+mn-cs"/>
+                        </a:rPr>
+                        <a:t>79.36%</a:t>
+                      </a:r>
+                      <a:endParaRPr lang="ko-KR" altLang="en-US" sz="1800" kern="1200" dirty="0">
+                        <a:solidFill>
+                          <a:schemeClr val="dk1"/>
+                        </a:solidFill>
+                        <a:latin typeface="+mn-lt"/>
+                        <a:ea typeface="+mn-ea"/>
+                        <a:cs typeface="+mn-cs"/>
+                      </a:endParaRPr>
+                    </a:p>
+                  </a:txBody>
+                  <a:tcPr anchor="ctr">
+                    <a:solidFill>
+                      <a:schemeClr val="accent2">
+                        <a:lumMod val="40000"/>
+                        <a:lumOff val="60000"/>
+                      </a:schemeClr>
+                    </a:solidFill>
+                  </a:tcPr>
+                </a:tc>
+                <a:tc>
+                  <a:txBody>
+                    <a:bodyPr/>
+                    <a:lstStyle/>
+                    <a:p>
+                      <a:pPr marL="0" algn="ctr" defTabSz="914400" rtl="0" eaLnBrk="1" latinLnBrk="1" hangingPunct="1"/>
+                      <a:r>
+                        <a:rPr lang="en-US" altLang="ko-KR" sz="1800" kern="1200" dirty="0" smtClean="0">
+                          <a:solidFill>
+                            <a:schemeClr val="dk1"/>
+                          </a:solidFill>
+                          <a:latin typeface="+mn-lt"/>
+                          <a:ea typeface="+mn-ea"/>
+                          <a:cs typeface="+mn-cs"/>
+                        </a:rPr>
+                        <a:t>82.12%</a:t>
+                      </a:r>
+                      <a:endParaRPr lang="ko-KR" altLang="en-US" sz="1800" kern="1200" dirty="0">
+                        <a:solidFill>
+                          <a:schemeClr val="dk1"/>
+                        </a:solidFill>
+                        <a:latin typeface="+mn-lt"/>
+                        <a:ea typeface="+mn-ea"/>
+                        <a:cs typeface="+mn-cs"/>
+                      </a:endParaRPr>
+                    </a:p>
+                  </a:txBody>
+                  <a:tcPr anchor="ctr">
+                    <a:solidFill>
+                      <a:schemeClr val="accent2">
+                        <a:lumMod val="40000"/>
+                        <a:lumOff val="60000"/>
+                      </a:schemeClr>
+                    </a:solidFill>
+                  </a:tcPr>
+                </a:tc>
+                <a:tc>
+                  <a:txBody>
+                    <a:bodyPr/>
+                    <a:lstStyle/>
+                    <a:p>
+                      <a:pPr marL="0" algn="ctr" defTabSz="914400" rtl="0" eaLnBrk="1" latinLnBrk="1" hangingPunct="1"/>
+                      <a:r>
+                        <a:rPr lang="en-US" altLang="ko-KR" sz="1800" kern="1200" dirty="0" smtClean="0">
+                          <a:solidFill>
+                            <a:schemeClr val="dk1"/>
+                          </a:solidFill>
+                          <a:latin typeface="+mn-lt"/>
+                          <a:ea typeface="+mn-ea"/>
+                          <a:cs typeface="+mn-cs"/>
+                        </a:rPr>
+                        <a:t>81.25%</a:t>
+                      </a:r>
+                      <a:endParaRPr lang="ko-KR" altLang="en-US" sz="1800" kern="1200" dirty="0">
+                        <a:solidFill>
+                          <a:schemeClr val="dk1"/>
+                        </a:solidFill>
+                        <a:latin typeface="+mn-lt"/>
+                        <a:ea typeface="+mn-ea"/>
+                        <a:cs typeface="+mn-cs"/>
+                      </a:endParaRPr>
+                    </a:p>
+                  </a:txBody>
+                  <a:tcPr anchor="ctr">
+                    <a:solidFill>
+                      <a:schemeClr val="accent2">
+                        <a:lumMod val="40000"/>
+                        <a:lumOff val="60000"/>
+                      </a:schemeClr>
+                    </a:solidFill>
+                  </a:tcPr>
+                </a:tc>
+                <a:extLst>
+                  <a:ext uri="{0D108BD9-81ED-4DB2-BD59-A6C34878D82A}">
+                    <a16:rowId xmlns:a16="http://schemas.microsoft.com/office/drawing/2014/main" val="274812241"/>
+                  </a:ext>
+                </a:extLst>
+              </a:tr>
+              <a:tr h="916361">
+                <a:tc>
+                  <a:txBody>
+                    <a:bodyPr/>
+                    <a:lstStyle/>
+                    <a:p>
+                      <a:pPr algn="ctr" latinLnBrk="1"/>
+                      <a:r>
+                        <a:rPr lang="en-US" altLang="ko-KR" dirty="0" smtClean="0"/>
+                        <a:t>Bi-LSTM</a:t>
+                      </a:r>
+                      <a:endParaRPr lang="en-US" altLang="ko-KR" baseline="0" dirty="0" smtClean="0"/>
+                    </a:p>
+                    <a:p>
+                      <a:pPr algn="ctr" latinLnBrk="1"/>
+                      <a:r>
+                        <a:rPr lang="en-US" altLang="ko-KR" baseline="0" dirty="0" smtClean="0"/>
+                        <a:t>+ Data augmentation</a:t>
+                      </a:r>
+                      <a:endParaRPr lang="ko-KR" altLang="en-US" dirty="0"/>
+                    </a:p>
+                  </a:txBody>
+                  <a:tcPr anchor="ctr">
+                    <a:solidFill>
+                      <a:schemeClr val="tx2">
+                        <a:lumMod val="20000"/>
+                        <a:lumOff val="80000"/>
+                      </a:schemeClr>
+                    </a:solidFill>
+                  </a:tcPr>
+                </a:tc>
+                <a:tc>
+                  <a:txBody>
+                    <a:bodyPr/>
+                    <a:lstStyle/>
+                    <a:p>
+                      <a:pPr marL="0" algn="ctr" defTabSz="914400" rtl="0" eaLnBrk="1" latinLnBrk="1" hangingPunct="1"/>
+                      <a:r>
+                        <a:rPr lang="en-US" altLang="ko-KR" sz="1800" kern="1200" dirty="0" smtClean="0">
+                          <a:solidFill>
+                            <a:schemeClr val="dk1"/>
+                          </a:solidFill>
+                          <a:latin typeface="+mn-lt"/>
+                          <a:ea typeface="+mn-ea"/>
+                          <a:cs typeface="+mn-cs"/>
+                        </a:rPr>
+                        <a:t>78.30%</a:t>
+                      </a:r>
+                      <a:endParaRPr lang="ko-KR" altLang="en-US" sz="1800" kern="1200" dirty="0">
+                        <a:solidFill>
+                          <a:schemeClr val="dk1"/>
+                        </a:solidFill>
+                        <a:latin typeface="+mn-lt"/>
+                        <a:ea typeface="+mn-ea"/>
+                        <a:cs typeface="+mn-cs"/>
+                      </a:endParaRPr>
+                    </a:p>
+                  </a:txBody>
+                  <a:tcPr anchor="ctr">
+                    <a:solidFill>
+                      <a:schemeClr val="accent2">
+                        <a:lumMod val="40000"/>
+                        <a:lumOff val="60000"/>
+                      </a:schemeClr>
+                    </a:solidFill>
+                  </a:tcPr>
+                </a:tc>
+                <a:tc>
+                  <a:txBody>
+                    <a:bodyPr/>
+                    <a:lstStyle/>
+                    <a:p>
+                      <a:pPr marL="0" algn="ctr" defTabSz="914400" rtl="0" eaLnBrk="1" latinLnBrk="1" hangingPunct="1"/>
+                      <a:r>
+                        <a:rPr lang="en-US" altLang="ko-KR" sz="1800" kern="1200" dirty="0" smtClean="0">
+                          <a:solidFill>
+                            <a:schemeClr val="dk1"/>
+                          </a:solidFill>
+                          <a:latin typeface="+mn-lt"/>
+                          <a:ea typeface="+mn-ea"/>
+                          <a:cs typeface="+mn-cs"/>
+                        </a:rPr>
+                        <a:t>-</a:t>
+                      </a:r>
+                      <a:endParaRPr lang="ko-KR" altLang="en-US" sz="1800" kern="1200" dirty="0">
+                        <a:solidFill>
+                          <a:schemeClr val="dk1"/>
+                        </a:solidFill>
+                        <a:latin typeface="+mn-lt"/>
+                        <a:ea typeface="+mn-ea"/>
+                        <a:cs typeface="+mn-cs"/>
+                      </a:endParaRPr>
+                    </a:p>
+                  </a:txBody>
+                  <a:tcPr anchor="ctr">
+                    <a:solidFill>
+                      <a:schemeClr val="accent3">
+                        <a:lumMod val="40000"/>
+                        <a:lumOff val="60000"/>
+                      </a:schemeClr>
+                    </a:solidFill>
+                  </a:tcPr>
+                </a:tc>
+                <a:tc>
+                  <a:txBody>
+                    <a:bodyPr/>
+                    <a:lstStyle/>
+                    <a:p>
+                      <a:pPr marL="0" algn="ctr" defTabSz="914400" rtl="0" eaLnBrk="1" latinLnBrk="1" hangingPunct="1"/>
+                      <a:r>
+                        <a:rPr lang="en-US" altLang="ko-KR" sz="1800" kern="1200" dirty="0" smtClean="0">
+                          <a:solidFill>
+                            <a:schemeClr val="dk1"/>
+                          </a:solidFill>
+                          <a:latin typeface="+mn-lt"/>
+                          <a:ea typeface="+mn-ea"/>
+                          <a:cs typeface="+mn-cs"/>
+                        </a:rPr>
+                        <a:t>-</a:t>
+                      </a:r>
+                      <a:endParaRPr lang="ko-KR" altLang="en-US" sz="1800" kern="1200" dirty="0">
+                        <a:solidFill>
+                          <a:schemeClr val="dk1"/>
+                        </a:solidFill>
+                        <a:latin typeface="+mn-lt"/>
+                        <a:ea typeface="+mn-ea"/>
+                        <a:cs typeface="+mn-cs"/>
+                      </a:endParaRPr>
+                    </a:p>
+                  </a:txBody>
+                  <a:tcPr anchor="ctr">
+                    <a:solidFill>
+                      <a:schemeClr val="accent3">
+                        <a:lumMod val="40000"/>
+                        <a:lumOff val="60000"/>
+                      </a:schemeClr>
+                    </a:solidFill>
+                  </a:tcPr>
+                </a:tc>
+                <a:tc>
+                  <a:txBody>
+                    <a:bodyPr/>
+                    <a:lstStyle/>
+                    <a:p>
+                      <a:pPr marL="0" algn="ctr" defTabSz="914400" rtl="0" eaLnBrk="1" latinLnBrk="1" hangingPunct="1"/>
+                      <a:r>
+                        <a:rPr lang="en-US" altLang="ko-KR" sz="1800" kern="1200" dirty="0" smtClean="0">
+                          <a:solidFill>
+                            <a:schemeClr val="dk1"/>
+                          </a:solidFill>
+                          <a:latin typeface="+mn-lt"/>
+                          <a:ea typeface="+mn-ea"/>
+                          <a:cs typeface="+mn-cs"/>
+                        </a:rPr>
+                        <a:t>81.85%</a:t>
+                      </a:r>
+                      <a:endParaRPr lang="ko-KR" altLang="en-US" sz="1800" kern="1200" dirty="0">
+                        <a:solidFill>
+                          <a:schemeClr val="dk1"/>
+                        </a:solidFill>
+                        <a:latin typeface="+mn-lt"/>
+                        <a:ea typeface="+mn-ea"/>
+                        <a:cs typeface="+mn-cs"/>
+                      </a:endParaRPr>
+                    </a:p>
+                  </a:txBody>
+                  <a:tcPr anchor="ctr">
+                    <a:solidFill>
+                      <a:schemeClr val="accent2">
+                        <a:lumMod val="40000"/>
+                        <a:lumOff val="60000"/>
+                      </a:schemeClr>
+                    </a:solidFill>
+                  </a:tcPr>
+                </a:tc>
+                <a:extLst>
+                  <a:ext uri="{0D108BD9-81ED-4DB2-BD59-A6C34878D82A}">
+                    <a16:rowId xmlns:a16="http://schemas.microsoft.com/office/drawing/2014/main" val="3088125089"/>
                   </a:ext>
                 </a:extLst>
               </a:tr>
